--- a/Media/CoinCounterImage.pptx
+++ b/Media/CoinCounterImage.pptx
@@ -6,6 +6,7 @@
   </p:sldMasterIdLst>
   <p:sldIdLst>
     <p:sldId id="256" r:id="rId2"/>
+    <p:sldId id="257" r:id="rId3"/>
   </p:sldIdLst>
   <p:sldSz cx="8999538" cy="2819400"/>
   <p:notesSz cx="6858000" cy="9144000"/>
@@ -104,6 +105,11 @@
       </a:defRPr>
     </a:lvl9pPr>
   </p:defaultTextStyle>
+  <p:extLst>
+    <p:ext uri="{EFAFB233-063F-42B5-8137-9DF3F51BA10A}">
+      <p15:sldGuideLst xmlns:p15="http://schemas.microsoft.com/office/powerpoint/2012/main"/>
+    </p:ext>
+  </p:extLst>
 </p:presentation>
 </file>
 
@@ -238,7 +244,7 @@
           <a:p>
             <a:fld id="{E1462D35-A59E-E342-B6E4-9042938BBC39}" type="datetimeFigureOut">
               <a:rPr lang="en-US" smtClean="0"/>
-              <a:t>1/13/19</a:t>
+              <a:t>1/15/19</a:t>
             </a:fld>
             <a:endParaRPr lang="en-US"/>
           </a:p>
@@ -408,7 +414,7 @@
           <a:p>
             <a:fld id="{E1462D35-A59E-E342-B6E4-9042938BBC39}" type="datetimeFigureOut">
               <a:rPr lang="en-US" smtClean="0"/>
-              <a:t>1/13/19</a:t>
+              <a:t>1/15/19</a:t>
             </a:fld>
             <a:endParaRPr lang="en-US"/>
           </a:p>
@@ -588,7 +594,7 @@
           <a:p>
             <a:fld id="{E1462D35-A59E-E342-B6E4-9042938BBC39}" type="datetimeFigureOut">
               <a:rPr lang="en-US" smtClean="0"/>
-              <a:t>1/13/19</a:t>
+              <a:t>1/15/19</a:t>
             </a:fld>
             <a:endParaRPr lang="en-US"/>
           </a:p>
@@ -758,7 +764,7 @@
           <a:p>
             <a:fld id="{E1462D35-A59E-E342-B6E4-9042938BBC39}" type="datetimeFigureOut">
               <a:rPr lang="en-US" smtClean="0"/>
-              <a:t>1/13/19</a:t>
+              <a:t>1/15/19</a:t>
             </a:fld>
             <a:endParaRPr lang="en-US"/>
           </a:p>
@@ -1004,7 +1010,7 @@
           <a:p>
             <a:fld id="{E1462D35-A59E-E342-B6E4-9042938BBC39}" type="datetimeFigureOut">
               <a:rPr lang="en-US" smtClean="0"/>
-              <a:t>1/13/19</a:t>
+              <a:t>1/15/19</a:t>
             </a:fld>
             <a:endParaRPr lang="en-US"/>
           </a:p>
@@ -1236,7 +1242,7 @@
           <a:p>
             <a:fld id="{E1462D35-A59E-E342-B6E4-9042938BBC39}" type="datetimeFigureOut">
               <a:rPr lang="en-US" smtClean="0"/>
-              <a:t>1/13/19</a:t>
+              <a:t>1/15/19</a:t>
             </a:fld>
             <a:endParaRPr lang="en-US"/>
           </a:p>
@@ -1603,7 +1609,7 @@
           <a:p>
             <a:fld id="{E1462D35-A59E-E342-B6E4-9042938BBC39}" type="datetimeFigureOut">
               <a:rPr lang="en-US" smtClean="0"/>
-              <a:t>1/13/19</a:t>
+              <a:t>1/15/19</a:t>
             </a:fld>
             <a:endParaRPr lang="en-US"/>
           </a:p>
@@ -1721,7 +1727,7 @@
           <a:p>
             <a:fld id="{E1462D35-A59E-E342-B6E4-9042938BBC39}" type="datetimeFigureOut">
               <a:rPr lang="en-US" smtClean="0"/>
-              <a:t>1/13/19</a:t>
+              <a:t>1/15/19</a:t>
             </a:fld>
             <a:endParaRPr lang="en-US"/>
           </a:p>
@@ -1816,7 +1822,7 @@
           <a:p>
             <a:fld id="{E1462D35-A59E-E342-B6E4-9042938BBC39}" type="datetimeFigureOut">
               <a:rPr lang="en-US" smtClean="0"/>
-              <a:t>1/13/19</a:t>
+              <a:t>1/15/19</a:t>
             </a:fld>
             <a:endParaRPr lang="en-US"/>
           </a:p>
@@ -2093,7 +2099,7 @@
           <a:p>
             <a:fld id="{E1462D35-A59E-E342-B6E4-9042938BBC39}" type="datetimeFigureOut">
               <a:rPr lang="en-US" smtClean="0"/>
-              <a:t>1/13/19</a:t>
+              <a:t>1/15/19</a:t>
             </a:fld>
             <a:endParaRPr lang="en-US"/>
           </a:p>
@@ -2350,7 +2356,7 @@
           <a:p>
             <a:fld id="{E1462D35-A59E-E342-B6E4-9042938BBC39}" type="datetimeFigureOut">
               <a:rPr lang="en-US" smtClean="0"/>
-              <a:t>1/13/19</a:t>
+              <a:t>1/15/19</a:t>
             </a:fld>
             <a:endParaRPr lang="en-US"/>
           </a:p>
@@ -2563,7 +2569,7 @@
           <a:p>
             <a:fld id="{E1462D35-A59E-E342-B6E4-9042938BBC39}" type="datetimeFigureOut">
               <a:rPr lang="en-US" smtClean="0"/>
-              <a:t>1/13/19</a:t>
+              <a:t>1/15/19</a:t>
             </a:fld>
             <a:endParaRPr lang="en-US"/>
           </a:p>
@@ -2993,7 +2999,7 @@
         </p:nvSpPr>
         <p:spPr>
           <a:xfrm>
-            <a:off x="4522900" y="347871"/>
+            <a:off x="4522900" y="255538"/>
             <a:ext cx="3388659" cy="2123658"/>
           </a:xfrm>
           <a:prstGeom prst="rect">
@@ -3012,8 +3018,13 @@
                 <a:solidFill>
                   <a:schemeClr val="bg1"/>
                 </a:solidFill>
-                <a:latin typeface="PingFang HK Light" panose="020B0300000000000000" pitchFamily="34" charset="-120"/>
-                <a:ea typeface="PingFang HK Light" panose="020B0300000000000000" pitchFamily="34" charset="-120"/>
+                <a:effectLst>
+                  <a:innerShdw blurRad="114300">
+                    <a:prstClr val="black"/>
+                  </a:innerShdw>
+                </a:effectLst>
+                <a:latin typeface="PingFang HK" panose="020B0400000000000000" pitchFamily="34" charset="-120"/>
+                <a:ea typeface="PingFang HK" panose="020B0400000000000000" pitchFamily="34" charset="-120"/>
               </a:rPr>
               <a:t>Coin </a:t>
             </a:r>
@@ -3024,8 +3035,13 @@
                 <a:solidFill>
                   <a:schemeClr val="bg1"/>
                 </a:solidFill>
-                <a:latin typeface="PingFang HK Light" panose="020B0300000000000000" pitchFamily="34" charset="-120"/>
-                <a:ea typeface="PingFang HK Light" panose="020B0300000000000000" pitchFamily="34" charset="-120"/>
+                <a:effectLst>
+                  <a:innerShdw blurRad="114300">
+                    <a:prstClr val="black"/>
+                  </a:innerShdw>
+                </a:effectLst>
+                <a:latin typeface="PingFang HK" panose="020B0400000000000000" pitchFamily="34" charset="-120"/>
+                <a:ea typeface="PingFang HK" panose="020B0400000000000000" pitchFamily="34" charset="-120"/>
               </a:rPr>
               <a:t>Counter</a:t>
             </a:r>
@@ -3060,6 +3076,13 @@
           <a:prstGeom prst="rect">
             <a:avLst/>
           </a:prstGeom>
+          <a:effectLst>
+            <a:outerShdw blurRad="127000" dist="38100" dir="18900000" algn="bl" rotWithShape="0">
+              <a:prstClr val="black">
+                <a:alpha val="86000"/>
+              </a:prstClr>
+            </a:outerShdw>
+          </a:effectLst>
         </p:spPr>
       </p:pic>
       <p:pic>
@@ -3090,6 +3113,13 @@
           <a:prstGeom prst="rect">
             <a:avLst/>
           </a:prstGeom>
+          <a:effectLst>
+            <a:outerShdw blurRad="127000" dist="38100" dir="18900000" algn="bl" rotWithShape="0">
+              <a:prstClr val="black">
+                <a:alpha val="86000"/>
+              </a:prstClr>
+            </a:outerShdw>
+          </a:effectLst>
         </p:spPr>
       </p:pic>
       <p:pic>
@@ -3120,6 +3150,13 @@
           <a:prstGeom prst="rect">
             <a:avLst/>
           </a:prstGeom>
+          <a:effectLst>
+            <a:outerShdw blurRad="127000" dist="38100" dir="18900000" algn="bl" rotWithShape="0">
+              <a:prstClr val="black">
+                <a:alpha val="86000"/>
+              </a:prstClr>
+            </a:outerShdw>
+          </a:effectLst>
         </p:spPr>
       </p:pic>
       <p:pic>
@@ -3150,6 +3187,13 @@
           <a:prstGeom prst="rect">
             <a:avLst/>
           </a:prstGeom>
+          <a:effectLst>
+            <a:outerShdw blurRad="127000" dist="38100" dir="18900000" algn="bl" rotWithShape="0">
+              <a:prstClr val="black">
+                <a:alpha val="86000"/>
+              </a:prstClr>
+            </a:outerShdw>
+          </a:effectLst>
         </p:spPr>
       </p:pic>
       <p:pic>
@@ -3180,6 +3224,13 @@
           <a:prstGeom prst="rect">
             <a:avLst/>
           </a:prstGeom>
+          <a:effectLst>
+            <a:outerShdw blurRad="127000" dist="38100" dir="18900000" algn="bl" rotWithShape="0">
+              <a:prstClr val="black">
+                <a:alpha val="86000"/>
+              </a:prstClr>
+            </a:outerShdw>
+          </a:effectLst>
         </p:spPr>
       </p:pic>
       <p:pic>
@@ -3210,6 +3261,13 @@
           <a:prstGeom prst="rect">
             <a:avLst/>
           </a:prstGeom>
+          <a:effectLst>
+            <a:outerShdw blurRad="127000" dist="38100" dir="18900000" algn="bl" rotWithShape="0">
+              <a:prstClr val="black">
+                <a:alpha val="86000"/>
+              </a:prstClr>
+            </a:outerShdw>
+          </a:effectLst>
         </p:spPr>
       </p:pic>
       <p:pic>
@@ -3240,6 +3298,13 @@
           <a:prstGeom prst="rect">
             <a:avLst/>
           </a:prstGeom>
+          <a:effectLst>
+            <a:outerShdw blurRad="127000" dist="38100" dir="18900000" algn="bl" rotWithShape="0">
+              <a:prstClr val="black">
+                <a:alpha val="86000"/>
+              </a:prstClr>
+            </a:outerShdw>
+          </a:effectLst>
         </p:spPr>
       </p:pic>
       <p:pic>
@@ -3270,12 +3335,223 @@
           <a:prstGeom prst="rect">
             <a:avLst/>
           </a:prstGeom>
+          <a:effectLst>
+            <a:outerShdw blurRad="127000" dist="38100" dir="18900000" algn="bl" rotWithShape="0">
+              <a:prstClr val="black">
+                <a:alpha val="86000"/>
+              </a:prstClr>
+            </a:outerShdw>
+          </a:effectLst>
         </p:spPr>
       </p:pic>
     </p:spTree>
     <p:extLst>
       <p:ext uri="{BB962C8B-B14F-4D97-AF65-F5344CB8AC3E}">
         <p14:creationId xmlns:p14="http://schemas.microsoft.com/office/powerpoint/2010/main" val="1721859950"/>
+      </p:ext>
+    </p:extLst>
+  </p:cSld>
+  <p:clrMapOvr>
+    <a:masterClrMapping/>
+  </p:clrMapOvr>
+</p:sld>
+</file>
+
+<file path=ppt/slides/slide2.xml><?xml version="1.0" encoding="utf-8"?>
+<p:sld xmlns:a="http://schemas.openxmlformats.org/drawingml/2006/main" xmlns:r="http://schemas.openxmlformats.org/officeDocument/2006/relationships" xmlns:p="http://schemas.openxmlformats.org/presentationml/2006/main" showMasterSp="0">
+  <p:cSld>
+    <p:bg>
+      <p:bgPr>
+        <a:pattFill prst="pct90">
+          <a:fgClr>
+            <a:schemeClr val="accent2">
+              <a:lumMod val="75000"/>
+            </a:schemeClr>
+          </a:fgClr>
+          <a:bgClr>
+            <a:schemeClr val="accent2">
+              <a:lumMod val="60000"/>
+              <a:lumOff val="40000"/>
+            </a:schemeClr>
+          </a:bgClr>
+        </a:pattFill>
+        <a:effectLst/>
+      </p:bgPr>
+    </p:bg>
+    <p:spTree>
+      <p:nvGrpSpPr>
+        <p:cNvPr id="1" name=""/>
+        <p:cNvGrpSpPr/>
+        <p:nvPr/>
+      </p:nvGrpSpPr>
+      <p:grpSpPr>
+        <a:xfrm>
+          <a:off x="0" y="0"/>
+          <a:ext cx="0" cy="0"/>
+          <a:chOff x="0" y="0"/>
+          <a:chExt cx="0" cy="0"/>
+        </a:xfrm>
+      </p:grpSpPr>
+      <p:sp>
+        <p:nvSpPr>
+          <p:cNvPr id="4" name="TextBox 3">
+            <a:extLst>
+              <a:ext uri="{FF2B5EF4-FFF2-40B4-BE49-F238E27FC236}">
+                <a16:creationId xmlns:a16="http://schemas.microsoft.com/office/drawing/2014/main" id="{0293FD85-15E2-3745-87E9-96C47FFDEE64}"/>
+              </a:ext>
+            </a:extLst>
+          </p:cNvPr>
+          <p:cNvSpPr txBox="1"/>
+          <p:nvPr/>
+        </p:nvSpPr>
+        <p:spPr>
+          <a:xfrm>
+            <a:off x="290357" y="160110"/>
+            <a:ext cx="4783567" cy="1569660"/>
+          </a:xfrm>
+          <a:prstGeom prst="rect">
+            <a:avLst/>
+          </a:prstGeom>
+          <a:noFill/>
+        </p:spPr>
+        <p:txBody>
+          <a:bodyPr wrap="square" rtlCol="0">
+            <a:spAutoFit/>
+          </a:bodyPr>
+          <a:lstStyle/>
+          <a:p>
+            <a:r>
+              <a:rPr lang="en-US" sz="9600" b="1" dirty="0">
+                <a:ln>
+                  <a:solidFill>
+                    <a:schemeClr val="tx1">
+                      <a:alpha val="5000"/>
+                    </a:schemeClr>
+                  </a:solidFill>
+                </a:ln>
+                <a:solidFill>
+                  <a:schemeClr val="accent2">
+                    <a:lumMod val="20000"/>
+                    <a:lumOff val="80000"/>
+                  </a:schemeClr>
+                </a:solidFill>
+                <a:effectLst>
+                  <a:innerShdw blurRad="63500" dist="50800" dir="18900000">
+                    <a:prstClr val="black">
+                      <a:alpha val="50000"/>
+                    </a:prstClr>
+                  </a:innerShdw>
+                </a:effectLst>
+                <a:latin typeface="Aharoni" panose="02010803020104030203" pitchFamily="2" charset="-79"/>
+                <a:ea typeface="Krungthep" panose="02000400000000000000" pitchFamily="2" charset="-34"/>
+                <a:cs typeface="Aharoni" panose="02010803020104030203" pitchFamily="2" charset="-79"/>
+              </a:rPr>
+              <a:t>“Quote</a:t>
+            </a:r>
+          </a:p>
+        </p:txBody>
+      </p:sp>
+      <p:pic>
+        <p:nvPicPr>
+          <p:cNvPr id="5" name="Picture 4">
+            <a:extLst>
+              <a:ext uri="{FF2B5EF4-FFF2-40B4-BE49-F238E27FC236}">
+                <a16:creationId xmlns:a16="http://schemas.microsoft.com/office/drawing/2014/main" id="{A8617AAA-7463-784B-80E7-228EB7F4A9AB}"/>
+              </a:ext>
+            </a:extLst>
+          </p:cNvPr>
+          <p:cNvPicPr>
+            <a:picLocks noChangeAspect="1"/>
+          </p:cNvPicPr>
+          <p:nvPr/>
+        </p:nvPicPr>
+        <p:blipFill>
+          <a:blip r:embed="rId2"/>
+          <a:stretch>
+            <a:fillRect/>
+          </a:stretch>
+        </p:blipFill>
+        <p:spPr>
+          <a:xfrm>
+            <a:off x="6739584" y="327975"/>
+            <a:ext cx="1452247" cy="2163449"/>
+          </a:xfrm>
+          <a:prstGeom prst="rect">
+            <a:avLst/>
+          </a:prstGeom>
+          <a:noFill/>
+          <a:effectLst>
+            <a:outerShdw blurRad="76200" dir="18900000" sy="23000" kx="-1200000" algn="bl" rotWithShape="0">
+              <a:prstClr val="black">
+                <a:alpha val="20000"/>
+              </a:prstClr>
+            </a:outerShdw>
+          </a:effectLst>
+        </p:spPr>
+      </p:pic>
+      <p:sp>
+        <p:nvSpPr>
+          <p:cNvPr id="21" name="TextBox 20">
+            <a:extLst>
+              <a:ext uri="{FF2B5EF4-FFF2-40B4-BE49-F238E27FC236}">
+                <a16:creationId xmlns:a16="http://schemas.microsoft.com/office/drawing/2014/main" id="{BF03315F-E0DF-5A40-A551-D1BBBDF67ACE}"/>
+              </a:ext>
+            </a:extLst>
+          </p:cNvPr>
+          <p:cNvSpPr txBox="1"/>
+          <p:nvPr/>
+        </p:nvSpPr>
+        <p:spPr>
+          <a:xfrm>
+            <a:off x="2682141" y="1184223"/>
+            <a:ext cx="4359790" cy="1569660"/>
+          </a:xfrm>
+          <a:prstGeom prst="rect">
+            <a:avLst/>
+          </a:prstGeom>
+          <a:noFill/>
+        </p:spPr>
+        <p:txBody>
+          <a:bodyPr wrap="square" rtlCol="0">
+            <a:spAutoFit/>
+          </a:bodyPr>
+          <a:lstStyle/>
+          <a:p>
+            <a:r>
+              <a:rPr lang="en-US" sz="9600" b="1" dirty="0">
+                <a:ln>
+                  <a:solidFill>
+                    <a:schemeClr val="tx1">
+                      <a:alpha val="5000"/>
+                    </a:schemeClr>
+                  </a:solidFill>
+                </a:ln>
+                <a:solidFill>
+                  <a:schemeClr val="accent2">
+                    <a:lumMod val="20000"/>
+                    <a:lumOff val="80000"/>
+                  </a:schemeClr>
+                </a:solidFill>
+                <a:effectLst>
+                  <a:innerShdw blurRad="63500" dist="50800" dir="18900000">
+                    <a:prstClr val="black">
+                      <a:alpha val="50000"/>
+                    </a:prstClr>
+                  </a:innerShdw>
+                </a:effectLst>
+                <a:latin typeface="Aharoni" panose="02010803020104030203" pitchFamily="2" charset="-79"/>
+                <a:ea typeface="Krungthep" panose="02000400000000000000" pitchFamily="2" charset="-34"/>
+                <a:cs typeface="Aharoni" panose="02010803020104030203" pitchFamily="2" charset="-79"/>
+              </a:rPr>
+              <a:t>Book”</a:t>
+            </a:r>
+          </a:p>
+        </p:txBody>
+      </p:sp>
+    </p:spTree>
+    <p:extLst>
+      <p:ext uri="{BB962C8B-B14F-4D97-AF65-F5344CB8AC3E}">
+        <p14:creationId xmlns:p14="http://schemas.microsoft.com/office/powerpoint/2010/main" val="1785779579"/>
       </p:ext>
     </p:extLst>
   </p:cSld>
